--- a/doc/架构设计.pptx
+++ b/doc/架构设计.pptx
@@ -7,6 +7,7 @@
   <p:sldIdLst>
     <p:sldId id="256" r:id="rId2"/>
     <p:sldId id="257" r:id="rId3"/>
+    <p:sldId id="259" r:id="rId4"/>
   </p:sldIdLst>
   <p:sldSz cx="12192000" cy="6858000"/>
   <p:notesSz cx="6858000" cy="9144000"/>
@@ -105,6 +106,11 @@
       </a:defRPr>
     </a:lvl9pPr>
   </p:defaultTextStyle>
+  <p:extLst>
+    <p:ext uri="{EFAFB233-063F-42B5-8137-9DF3F51BA10A}">
+      <p15:sldGuideLst xmlns:p15="http://schemas.microsoft.com/office/powerpoint/2012/main"/>
+    </p:ext>
+  </p:extLst>
 </p:presentation>
 </file>
 
@@ -239,7 +245,7 @@
           <a:p>
             <a:fld id="{465E02F3-C158-4F08-9ACA-854467DE1800}" type="datetimeFigureOut">
               <a:rPr lang="zh-CN" altLang="en-US" smtClean="0"/>
-              <a:t>2017/8/31</a:t>
+              <a:t>2017/9/16</a:t>
             </a:fld>
             <a:endParaRPr lang="zh-CN" altLang="en-US"/>
           </a:p>
@@ -409,7 +415,7 @@
           <a:p>
             <a:fld id="{465E02F3-C158-4F08-9ACA-854467DE1800}" type="datetimeFigureOut">
               <a:rPr lang="zh-CN" altLang="en-US" smtClean="0"/>
-              <a:t>2017/8/31</a:t>
+              <a:t>2017/9/16</a:t>
             </a:fld>
             <a:endParaRPr lang="zh-CN" altLang="en-US"/>
           </a:p>
@@ -589,7 +595,7 @@
           <a:p>
             <a:fld id="{465E02F3-C158-4F08-9ACA-854467DE1800}" type="datetimeFigureOut">
               <a:rPr lang="zh-CN" altLang="en-US" smtClean="0"/>
-              <a:t>2017/8/31</a:t>
+              <a:t>2017/9/16</a:t>
             </a:fld>
             <a:endParaRPr lang="zh-CN" altLang="en-US"/>
           </a:p>
@@ -759,7 +765,7 @@
           <a:p>
             <a:fld id="{465E02F3-C158-4F08-9ACA-854467DE1800}" type="datetimeFigureOut">
               <a:rPr lang="zh-CN" altLang="en-US" smtClean="0"/>
-              <a:t>2017/8/31</a:t>
+              <a:t>2017/9/16</a:t>
             </a:fld>
             <a:endParaRPr lang="zh-CN" altLang="en-US"/>
           </a:p>
@@ -1005,7 +1011,7 @@
           <a:p>
             <a:fld id="{465E02F3-C158-4F08-9ACA-854467DE1800}" type="datetimeFigureOut">
               <a:rPr lang="zh-CN" altLang="en-US" smtClean="0"/>
-              <a:t>2017/8/31</a:t>
+              <a:t>2017/9/16</a:t>
             </a:fld>
             <a:endParaRPr lang="zh-CN" altLang="en-US"/>
           </a:p>
@@ -1237,7 +1243,7 @@
           <a:p>
             <a:fld id="{465E02F3-C158-4F08-9ACA-854467DE1800}" type="datetimeFigureOut">
               <a:rPr lang="zh-CN" altLang="en-US" smtClean="0"/>
-              <a:t>2017/8/31</a:t>
+              <a:t>2017/9/16</a:t>
             </a:fld>
             <a:endParaRPr lang="zh-CN" altLang="en-US"/>
           </a:p>
@@ -1604,7 +1610,7 @@
           <a:p>
             <a:fld id="{465E02F3-C158-4F08-9ACA-854467DE1800}" type="datetimeFigureOut">
               <a:rPr lang="zh-CN" altLang="en-US" smtClean="0"/>
-              <a:t>2017/8/31</a:t>
+              <a:t>2017/9/16</a:t>
             </a:fld>
             <a:endParaRPr lang="zh-CN" altLang="en-US"/>
           </a:p>
@@ -1722,7 +1728,7 @@
           <a:p>
             <a:fld id="{465E02F3-C158-4F08-9ACA-854467DE1800}" type="datetimeFigureOut">
               <a:rPr lang="zh-CN" altLang="en-US" smtClean="0"/>
-              <a:t>2017/8/31</a:t>
+              <a:t>2017/9/16</a:t>
             </a:fld>
             <a:endParaRPr lang="zh-CN" altLang="en-US"/>
           </a:p>
@@ -1817,7 +1823,7 @@
           <a:p>
             <a:fld id="{465E02F3-C158-4F08-9ACA-854467DE1800}" type="datetimeFigureOut">
               <a:rPr lang="zh-CN" altLang="en-US" smtClean="0"/>
-              <a:t>2017/8/31</a:t>
+              <a:t>2017/9/16</a:t>
             </a:fld>
             <a:endParaRPr lang="zh-CN" altLang="en-US"/>
           </a:p>
@@ -2094,7 +2100,7 @@
           <a:p>
             <a:fld id="{465E02F3-C158-4F08-9ACA-854467DE1800}" type="datetimeFigureOut">
               <a:rPr lang="zh-CN" altLang="en-US" smtClean="0"/>
-              <a:t>2017/8/31</a:t>
+              <a:t>2017/9/16</a:t>
             </a:fld>
             <a:endParaRPr lang="zh-CN" altLang="en-US"/>
           </a:p>
@@ -2347,7 +2353,7 @@
           <a:p>
             <a:fld id="{465E02F3-C158-4F08-9ACA-854467DE1800}" type="datetimeFigureOut">
               <a:rPr lang="zh-CN" altLang="en-US" smtClean="0"/>
-              <a:t>2017/8/31</a:t>
+              <a:t>2017/9/16</a:t>
             </a:fld>
             <a:endParaRPr lang="zh-CN" altLang="en-US"/>
           </a:p>
@@ -2560,7 +2566,7 @@
           <a:p>
             <a:fld id="{465E02F3-C158-4F08-9ACA-854467DE1800}" type="datetimeFigureOut">
               <a:rPr lang="zh-CN" altLang="en-US" smtClean="0"/>
-              <a:t>2017/8/31</a:t>
+              <a:t>2017/9/16</a:t>
             </a:fld>
             <a:endParaRPr lang="zh-CN" altLang="en-US"/>
           </a:p>
@@ -3580,23 +3586,7 @@
                   <a:schemeClr val="tx1"/>
                 </a:solidFill>
               </a:rPr>
-              <a:t>Dat</a:t>
-            </a:r>
-            <a:r>
-              <a:rPr lang="en-US" altLang="zh-CN" sz="1400" dirty="0" err="1" smtClean="0">
-                <a:solidFill>
-                  <a:schemeClr val="tx1"/>
-                </a:solidFill>
-              </a:rPr>
-              <a:t>a</a:t>
-            </a:r>
-            <a:r>
-              <a:rPr lang="en-US" altLang="zh-CN" sz="1400" dirty="0" err="1" smtClean="0">
-                <a:solidFill>
-                  <a:schemeClr val="tx1"/>
-                </a:solidFill>
-              </a:rPr>
-              <a:t>binding</a:t>
+              <a:t>Databinding</a:t>
             </a:r>
             <a:endParaRPr lang="en-US" altLang="zh-CN" sz="1400" dirty="0" smtClean="0">
               <a:solidFill>
@@ -4760,6 +4750,609 @@
       </p:par>
     </p:tnLst>
   </p:timing>
+</p:sld>
+</file>
+
+<file path=ppt/slides/slide3.xml><?xml version="1.0" encoding="utf-8"?>
+<p:sld xmlns:a="http://schemas.openxmlformats.org/drawingml/2006/main" xmlns:r="http://schemas.openxmlformats.org/officeDocument/2006/relationships" xmlns:p="http://schemas.openxmlformats.org/presentationml/2006/main">
+  <p:cSld>
+    <p:spTree>
+      <p:nvGrpSpPr>
+        <p:cNvPr id="1" name=""/>
+        <p:cNvGrpSpPr/>
+        <p:nvPr/>
+      </p:nvGrpSpPr>
+      <p:grpSpPr>
+        <a:xfrm>
+          <a:off x="0" y="0"/>
+          <a:ext cx="0" cy="0"/>
+          <a:chOff x="0" y="0"/>
+          <a:chExt cx="0" cy="0"/>
+        </a:xfrm>
+      </p:grpSpPr>
+      <p:sp>
+        <p:nvSpPr>
+          <p:cNvPr id="4" name="圆角矩形 3"/>
+          <p:cNvSpPr/>
+          <p:nvPr/>
+        </p:nvSpPr>
+        <p:spPr>
+          <a:xfrm>
+            <a:off x="1516876" y="1615156"/>
+            <a:ext cx="3059395" cy="2213360"/>
+          </a:xfrm>
+          <a:prstGeom prst="roundRect">
+            <a:avLst/>
+          </a:prstGeom>
+        </p:spPr>
+        <p:style>
+          <a:lnRef idx="2">
+            <a:schemeClr val="accent6">
+              <a:shade val="50000"/>
+            </a:schemeClr>
+          </a:lnRef>
+          <a:fillRef idx="1">
+            <a:schemeClr val="accent6"/>
+          </a:fillRef>
+          <a:effectRef idx="0">
+            <a:schemeClr val="accent6"/>
+          </a:effectRef>
+          <a:fontRef idx="minor">
+            <a:schemeClr val="lt1"/>
+          </a:fontRef>
+        </p:style>
+        <p:txBody>
+          <a:bodyPr rtlCol="0" anchor="ctr"/>
+          <a:lstStyle/>
+          <a:p>
+            <a:pPr algn="ctr"/>
+            <a:endParaRPr lang="zh-CN" altLang="en-US" dirty="0"/>
+          </a:p>
+        </p:txBody>
+      </p:sp>
+      <p:sp>
+        <p:nvSpPr>
+          <p:cNvPr id="5" name="圆角矩形 4"/>
+          <p:cNvSpPr/>
+          <p:nvPr/>
+        </p:nvSpPr>
+        <p:spPr>
+          <a:xfrm>
+            <a:off x="2341548" y="1841620"/>
+            <a:ext cx="1410056" cy="401653"/>
+          </a:xfrm>
+          <a:prstGeom prst="roundRect">
+            <a:avLst/>
+          </a:prstGeom>
+        </p:spPr>
+        <p:style>
+          <a:lnRef idx="2">
+            <a:schemeClr val="accent4">
+              <a:shade val="50000"/>
+            </a:schemeClr>
+          </a:lnRef>
+          <a:fillRef idx="1">
+            <a:schemeClr val="accent4"/>
+          </a:fillRef>
+          <a:effectRef idx="0">
+            <a:schemeClr val="accent4"/>
+          </a:effectRef>
+          <a:fontRef idx="minor">
+            <a:schemeClr val="lt1"/>
+          </a:fontRef>
+        </p:style>
+        <p:txBody>
+          <a:bodyPr rtlCol="0" anchor="ctr"/>
+          <a:lstStyle/>
+          <a:p>
+            <a:pPr algn="ctr"/>
+            <a:r>
+              <a:rPr lang="en-US" altLang="zh-CN" dirty="0" smtClean="0"/>
+              <a:t>JavaBean</a:t>
+            </a:r>
+          </a:p>
+        </p:txBody>
+      </p:sp>
+      <p:sp>
+        <p:nvSpPr>
+          <p:cNvPr id="6" name="圆角矩形 5"/>
+          <p:cNvSpPr/>
+          <p:nvPr/>
+        </p:nvSpPr>
+        <p:spPr>
+          <a:xfrm>
+            <a:off x="2341548" y="2328730"/>
+            <a:ext cx="1410056" cy="401653"/>
+          </a:xfrm>
+          <a:prstGeom prst="roundRect">
+            <a:avLst/>
+          </a:prstGeom>
+        </p:spPr>
+        <p:style>
+          <a:lnRef idx="2">
+            <a:schemeClr val="accent4">
+              <a:shade val="50000"/>
+            </a:schemeClr>
+          </a:lnRef>
+          <a:fillRef idx="1">
+            <a:schemeClr val="accent4"/>
+          </a:fillRef>
+          <a:effectRef idx="0">
+            <a:schemeClr val="accent4"/>
+          </a:effectRef>
+          <a:fontRef idx="minor">
+            <a:schemeClr val="lt1"/>
+          </a:fontRef>
+        </p:style>
+        <p:txBody>
+          <a:bodyPr rtlCol="0" anchor="ctr"/>
+          <a:lstStyle/>
+          <a:p>
+            <a:pPr algn="ctr"/>
+            <a:r>
+              <a:rPr lang="en-US" altLang="zh-CN" dirty="0" smtClean="0"/>
+              <a:t>POJO</a:t>
+            </a:r>
+          </a:p>
+        </p:txBody>
+      </p:sp>
+      <p:sp>
+        <p:nvSpPr>
+          <p:cNvPr id="7" name="圆角矩形 6"/>
+          <p:cNvSpPr/>
+          <p:nvPr/>
+        </p:nvSpPr>
+        <p:spPr>
+          <a:xfrm>
+            <a:off x="7879219" y="1615156"/>
+            <a:ext cx="3059395" cy="2213360"/>
+          </a:xfrm>
+          <a:prstGeom prst="roundRect">
+            <a:avLst/>
+          </a:prstGeom>
+        </p:spPr>
+        <p:style>
+          <a:lnRef idx="2">
+            <a:schemeClr val="accent6">
+              <a:shade val="50000"/>
+            </a:schemeClr>
+          </a:lnRef>
+          <a:fillRef idx="1">
+            <a:schemeClr val="accent6"/>
+          </a:fillRef>
+          <a:effectRef idx="0">
+            <a:schemeClr val="accent6"/>
+          </a:effectRef>
+          <a:fontRef idx="minor">
+            <a:schemeClr val="lt1"/>
+          </a:fontRef>
+        </p:style>
+        <p:txBody>
+          <a:bodyPr rtlCol="0" anchor="ctr"/>
+          <a:lstStyle/>
+          <a:p>
+            <a:pPr algn="ctr"/>
+            <a:endParaRPr lang="zh-CN" altLang="en-US"/>
+          </a:p>
+        </p:txBody>
+      </p:sp>
+      <p:sp>
+        <p:nvSpPr>
+          <p:cNvPr id="8" name="圆角矩形 7"/>
+          <p:cNvSpPr/>
+          <p:nvPr/>
+        </p:nvSpPr>
+        <p:spPr>
+          <a:xfrm>
+            <a:off x="8614160" y="1854438"/>
+            <a:ext cx="1589518" cy="410198"/>
+          </a:xfrm>
+          <a:prstGeom prst="roundRect">
+            <a:avLst/>
+          </a:prstGeom>
+        </p:spPr>
+        <p:style>
+          <a:lnRef idx="2">
+            <a:schemeClr val="accent4">
+              <a:shade val="50000"/>
+            </a:schemeClr>
+          </a:lnRef>
+          <a:fillRef idx="1">
+            <a:schemeClr val="accent4"/>
+          </a:fillRef>
+          <a:effectRef idx="0">
+            <a:schemeClr val="accent4"/>
+          </a:effectRef>
+          <a:fontRef idx="minor">
+            <a:schemeClr val="lt1"/>
+          </a:fontRef>
+        </p:style>
+        <p:txBody>
+          <a:bodyPr rtlCol="0" anchor="ctr"/>
+          <a:lstStyle/>
+          <a:p>
+            <a:pPr algn="ctr"/>
+            <a:r>
+              <a:rPr lang="en-US" altLang="zh-CN" dirty="0" smtClean="0"/>
+              <a:t>&lt;data&gt;</a:t>
+            </a:r>
+            <a:endParaRPr lang="zh-CN" altLang="en-US" dirty="0"/>
+          </a:p>
+        </p:txBody>
+      </p:sp>
+      <p:sp>
+        <p:nvSpPr>
+          <p:cNvPr id="9" name="圆角矩形 8"/>
+          <p:cNvSpPr/>
+          <p:nvPr/>
+        </p:nvSpPr>
+        <p:spPr>
+          <a:xfrm>
+            <a:off x="8597069" y="2341548"/>
+            <a:ext cx="1589518" cy="410198"/>
+          </a:xfrm>
+          <a:prstGeom prst="roundRect">
+            <a:avLst/>
+          </a:prstGeom>
+        </p:spPr>
+        <p:style>
+          <a:lnRef idx="2">
+            <a:schemeClr val="accent4">
+              <a:shade val="50000"/>
+            </a:schemeClr>
+          </a:lnRef>
+          <a:fillRef idx="1">
+            <a:schemeClr val="accent4"/>
+          </a:fillRef>
+          <a:effectRef idx="0">
+            <a:schemeClr val="accent4"/>
+          </a:effectRef>
+          <a:fontRef idx="minor">
+            <a:schemeClr val="lt1"/>
+          </a:fontRef>
+        </p:style>
+        <p:txBody>
+          <a:bodyPr rtlCol="0" anchor="ctr"/>
+          <a:lstStyle/>
+          <a:p>
+            <a:pPr algn="ctr"/>
+            <a:r>
+              <a:rPr lang="en-US" altLang="zh-CN" dirty="0" smtClean="0"/>
+              <a:t>View</a:t>
+            </a:r>
+          </a:p>
+        </p:txBody>
+      </p:sp>
+      <p:sp>
+        <p:nvSpPr>
+          <p:cNvPr id="10" name="矩形 9"/>
+          <p:cNvSpPr/>
+          <p:nvPr/>
+        </p:nvSpPr>
+        <p:spPr>
+          <a:xfrm>
+            <a:off x="5076201" y="324740"/>
+            <a:ext cx="2238999" cy="717847"/>
+          </a:xfrm>
+          <a:prstGeom prst="rect">
+            <a:avLst/>
+          </a:prstGeom>
+        </p:spPr>
+        <p:style>
+          <a:lnRef idx="1">
+            <a:schemeClr val="accent2"/>
+          </a:lnRef>
+          <a:fillRef idx="3">
+            <a:schemeClr val="accent2"/>
+          </a:fillRef>
+          <a:effectRef idx="2">
+            <a:schemeClr val="accent2"/>
+          </a:effectRef>
+          <a:fontRef idx="minor">
+            <a:schemeClr val="lt1"/>
+          </a:fontRef>
+        </p:style>
+        <p:txBody>
+          <a:bodyPr rtlCol="0" anchor="ctr"/>
+          <a:lstStyle/>
+          <a:p>
+            <a:pPr algn="ctr"/>
+            <a:r>
+              <a:rPr lang="en-US" altLang="zh-CN" dirty="0" err="1" smtClean="0"/>
+              <a:t>ActivityMainBinding</a:t>
+            </a:r>
+            <a:endParaRPr lang="zh-CN" altLang="en-US" dirty="0"/>
+          </a:p>
+        </p:txBody>
+      </p:sp>
+      <p:sp>
+        <p:nvSpPr>
+          <p:cNvPr id="11" name="矩形 10"/>
+          <p:cNvSpPr/>
+          <p:nvPr/>
+        </p:nvSpPr>
+        <p:spPr>
+          <a:xfrm>
+            <a:off x="5161660" y="4178893"/>
+            <a:ext cx="2068082" cy="615298"/>
+          </a:xfrm>
+          <a:prstGeom prst="rect">
+            <a:avLst/>
+          </a:prstGeom>
+        </p:spPr>
+        <p:style>
+          <a:lnRef idx="1">
+            <a:schemeClr val="accent1"/>
+          </a:lnRef>
+          <a:fillRef idx="3">
+            <a:schemeClr val="accent1"/>
+          </a:fillRef>
+          <a:effectRef idx="2">
+            <a:schemeClr val="accent1"/>
+          </a:effectRef>
+          <a:fontRef idx="minor">
+            <a:schemeClr val="lt1"/>
+          </a:fontRef>
+        </p:style>
+        <p:txBody>
+          <a:bodyPr rtlCol="0" anchor="ctr"/>
+          <a:lstStyle/>
+          <a:p>
+            <a:pPr algn="ctr"/>
+            <a:r>
+              <a:rPr lang="en-US" altLang="zh-CN" dirty="0" err="1" smtClean="0"/>
+              <a:t>MainActivity</a:t>
+            </a:r>
+            <a:endParaRPr lang="en-US" altLang="zh-CN" dirty="0" smtClean="0"/>
+          </a:p>
+        </p:txBody>
+      </p:sp>
+      <p:sp>
+        <p:nvSpPr>
+          <p:cNvPr id="14" name="文本框 13"/>
+          <p:cNvSpPr txBox="1"/>
+          <p:nvPr/>
+        </p:nvSpPr>
+        <p:spPr>
+          <a:xfrm>
+            <a:off x="2300951" y="3459184"/>
+            <a:ext cx="1491243" cy="369332"/>
+          </a:xfrm>
+          <a:prstGeom prst="rect">
+            <a:avLst/>
+          </a:prstGeom>
+          <a:noFill/>
+        </p:spPr>
+        <p:txBody>
+          <a:bodyPr wrap="square" rtlCol="0">
+            <a:spAutoFit/>
+          </a:bodyPr>
+          <a:lstStyle/>
+          <a:p>
+            <a:r>
+              <a:rPr lang="en-US" altLang="zh-CN" dirty="0" err="1" smtClean="0"/>
+              <a:t>ViewModule</a:t>
+            </a:r>
+            <a:endParaRPr lang="zh-CN" altLang="en-US" dirty="0"/>
+          </a:p>
+        </p:txBody>
+      </p:sp>
+      <p:sp>
+        <p:nvSpPr>
+          <p:cNvPr id="15" name="文本框 14"/>
+          <p:cNvSpPr txBox="1"/>
+          <p:nvPr/>
+        </p:nvSpPr>
+        <p:spPr>
+          <a:xfrm>
+            <a:off x="8663296" y="3459184"/>
+            <a:ext cx="1491243" cy="369332"/>
+          </a:xfrm>
+          <a:prstGeom prst="rect">
+            <a:avLst/>
+          </a:prstGeom>
+          <a:noFill/>
+        </p:spPr>
+        <p:txBody>
+          <a:bodyPr wrap="square" rtlCol="0">
+            <a:spAutoFit/>
+          </a:bodyPr>
+          <a:lstStyle/>
+          <a:p>
+            <a:r>
+              <a:rPr lang="en-US" altLang="zh-CN" dirty="0" err="1" smtClean="0"/>
+              <a:t>Activity_main</a:t>
+            </a:r>
+            <a:endParaRPr lang="zh-CN" altLang="en-US" dirty="0"/>
+          </a:p>
+        </p:txBody>
+      </p:sp>
+      <p:cxnSp>
+        <p:nvCxnSpPr>
+          <p:cNvPr id="17" name="直接箭头连接符 16"/>
+          <p:cNvCxnSpPr>
+            <a:stCxn id="7" idx="1"/>
+            <a:endCxn id="10" idx="2"/>
+          </p:cNvCxnSpPr>
+          <p:nvPr/>
+        </p:nvCxnSpPr>
+        <p:spPr>
+          <a:xfrm flipH="1" flipV="1">
+            <a:off x="6195701" y="1042587"/>
+            <a:ext cx="1683518" cy="1679249"/>
+          </a:xfrm>
+          <a:prstGeom prst="straightConnector1">
+            <a:avLst/>
+          </a:prstGeom>
+          <a:ln>
+            <a:tailEnd type="triangle"/>
+          </a:ln>
+        </p:spPr>
+        <p:style>
+          <a:lnRef idx="3">
+            <a:schemeClr val="accent5"/>
+          </a:lnRef>
+          <a:fillRef idx="0">
+            <a:schemeClr val="accent5"/>
+          </a:fillRef>
+          <a:effectRef idx="2">
+            <a:schemeClr val="accent5"/>
+          </a:effectRef>
+          <a:fontRef idx="minor">
+            <a:schemeClr val="tx1"/>
+          </a:fontRef>
+        </p:style>
+      </p:cxnSp>
+      <p:cxnSp>
+        <p:nvCxnSpPr>
+          <p:cNvPr id="19" name="直接箭头连接符 18"/>
+          <p:cNvCxnSpPr>
+            <a:stCxn id="10" idx="2"/>
+            <a:endCxn id="11" idx="0"/>
+          </p:cNvCxnSpPr>
+          <p:nvPr/>
+        </p:nvCxnSpPr>
+        <p:spPr>
+          <a:xfrm>
+            <a:off x="6195701" y="1042587"/>
+            <a:ext cx="0" cy="3136306"/>
+          </a:xfrm>
+          <a:prstGeom prst="straightConnector1">
+            <a:avLst/>
+          </a:prstGeom>
+          <a:ln>
+            <a:tailEnd type="triangle"/>
+          </a:ln>
+        </p:spPr>
+        <p:style>
+          <a:lnRef idx="3">
+            <a:schemeClr val="accent5"/>
+          </a:lnRef>
+          <a:fillRef idx="0">
+            <a:schemeClr val="accent5"/>
+          </a:fillRef>
+          <a:effectRef idx="2">
+            <a:schemeClr val="accent5"/>
+          </a:effectRef>
+          <a:fontRef idx="minor">
+            <a:schemeClr val="tx1"/>
+          </a:fontRef>
+        </p:style>
+      </p:cxnSp>
+      <p:cxnSp>
+        <p:nvCxnSpPr>
+          <p:cNvPr id="21" name="直接箭头连接符 20"/>
+          <p:cNvCxnSpPr>
+            <a:stCxn id="4" idx="3"/>
+            <a:endCxn id="11" idx="0"/>
+          </p:cNvCxnSpPr>
+          <p:nvPr/>
+        </p:nvCxnSpPr>
+        <p:spPr>
+          <a:xfrm>
+            <a:off x="4576271" y="2721836"/>
+            <a:ext cx="1619430" cy="1457057"/>
+          </a:xfrm>
+          <a:prstGeom prst="straightConnector1">
+            <a:avLst/>
+          </a:prstGeom>
+          <a:ln>
+            <a:tailEnd type="triangle"/>
+          </a:ln>
+        </p:spPr>
+        <p:style>
+          <a:lnRef idx="3">
+            <a:schemeClr val="accent5"/>
+          </a:lnRef>
+          <a:fillRef idx="0">
+            <a:schemeClr val="accent5"/>
+          </a:fillRef>
+          <a:effectRef idx="2">
+            <a:schemeClr val="accent5"/>
+          </a:effectRef>
+          <a:fontRef idx="minor">
+            <a:schemeClr val="tx1"/>
+          </a:fontRef>
+        </p:style>
+      </p:cxnSp>
+      <p:sp>
+        <p:nvSpPr>
+          <p:cNvPr id="31" name="左右箭头 30"/>
+          <p:cNvSpPr/>
+          <p:nvPr/>
+        </p:nvSpPr>
+        <p:spPr>
+          <a:xfrm>
+            <a:off x="4815554" y="2418460"/>
+            <a:ext cx="2820112" cy="581114"/>
+          </a:xfrm>
+          <a:prstGeom prst="leftRightArrow">
+            <a:avLst/>
+          </a:prstGeom>
+        </p:spPr>
+        <p:style>
+          <a:lnRef idx="2">
+            <a:schemeClr val="accent4">
+              <a:shade val="50000"/>
+            </a:schemeClr>
+          </a:lnRef>
+          <a:fillRef idx="1">
+            <a:schemeClr val="accent4"/>
+          </a:fillRef>
+          <a:effectRef idx="0">
+            <a:schemeClr val="accent4"/>
+          </a:effectRef>
+          <a:fontRef idx="minor">
+            <a:schemeClr val="lt1"/>
+          </a:fontRef>
+        </p:style>
+        <p:txBody>
+          <a:bodyPr rtlCol="0" anchor="ctr"/>
+          <a:lstStyle/>
+          <a:p>
+            <a:pPr algn="ctr"/>
+            <a:r>
+              <a:rPr lang="zh-CN" altLang="en-US" sz="1000" dirty="0" smtClean="0">
+                <a:ln w="0"/>
+                <a:solidFill>
+                  <a:schemeClr val="tx1"/>
+                </a:solidFill>
+                <a:effectLst>
+                  <a:outerShdw blurRad="38100" dist="19050" dir="2700000" algn="tl" rotWithShape="0">
+                    <a:schemeClr val="dk1">
+                      <a:alpha val="40000"/>
+                    </a:schemeClr>
+                  </a:outerShdw>
+                </a:effectLst>
+              </a:rPr>
+              <a:t>双向数据绑定</a:t>
+            </a:r>
+            <a:endParaRPr lang="zh-CN" altLang="en-US" sz="1000" dirty="0">
+              <a:ln w="0"/>
+              <a:solidFill>
+                <a:schemeClr val="tx1"/>
+              </a:solidFill>
+              <a:effectLst>
+                <a:outerShdw blurRad="38100" dist="19050" dir="2700000" algn="tl" rotWithShape="0">
+                  <a:schemeClr val="dk1">
+                    <a:alpha val="40000"/>
+                  </a:schemeClr>
+                </a:outerShdw>
+              </a:effectLst>
+            </a:endParaRPr>
+          </a:p>
+        </p:txBody>
+      </p:sp>
+    </p:spTree>
+    <p:extLst>
+      <p:ext uri="{BB962C8B-B14F-4D97-AF65-F5344CB8AC3E}">
+        <p14:creationId xmlns:p14="http://schemas.microsoft.com/office/powerpoint/2010/main" val="802190148"/>
+      </p:ext>
+    </p:extLst>
+  </p:cSld>
+  <p:clrMapOvr>
+    <a:masterClrMapping/>
+  </p:clrMapOvr>
 </p:sld>
 </file>
 
